--- a/docs/source/figures/CellulOS_Arch.pptx
+++ b/docs/source/figures/CellulOS_Arch.pptx
@@ -3371,7 +3371,7 @@
               </a:spcAft>
               <a:buNone/>
             </a:pPr>
-            <a:endParaRPr lang="en-CA" dirty="0"/>
+            <a:endParaRPr lang="en-CA" sz="1600" dirty="0"/>
           </a:p>
           <a:p>
             <a:pPr marL="0" lvl="0" indent="0" algn="l" rtl="0">
@@ -3383,7 +3383,7 @@
               </a:spcAft>
               <a:buNone/>
             </a:pPr>
-            <a:endParaRPr lang="en-CA" dirty="0"/>
+            <a:endParaRPr lang="en-CA" sz="1600" dirty="0"/>
           </a:p>
           <a:p>
             <a:pPr marL="0" lvl="0" indent="0" algn="ctr" rtl="0">
@@ -3396,14 +3396,14 @@
               <a:buNone/>
             </a:pPr>
             <a:r>
-              <a:rPr lang="en-CA" dirty="0"/>
+              <a:rPr lang="en-CA" sz="1600" dirty="0"/>
               <a:t>CellulOS </a:t>
             </a:r>
             <a:r>
-              <a:rPr lang="en-US" dirty="0"/>
+              <a:rPr lang="en-US" sz="1600" dirty="0"/>
               <a:t>Root Server</a:t>
             </a:r>
-            <a:endParaRPr dirty="0"/>
+            <a:endParaRPr sz="1600" dirty="0"/>
           </a:p>
         </p:txBody>
       </p:sp>
@@ -3458,10 +3458,10 @@
               <a:buNone/>
             </a:pPr>
             <a:r>
-              <a:rPr lang="en-US" sz="1400" dirty="0"/>
+              <a:rPr lang="en-US" sz="1200" dirty="0"/>
               <a:t>CPU Component</a:t>
             </a:r>
-            <a:endParaRPr sz="1400" dirty="0"/>
+            <a:endParaRPr sz="1200" dirty="0"/>
           </a:p>
         </p:txBody>
       </p:sp>
@@ -3516,10 +3516,10 @@
               <a:buNone/>
             </a:pPr>
             <a:r>
-              <a:rPr lang="en-US" dirty="0"/>
+              <a:rPr lang="en-US" sz="1600" dirty="0"/>
               <a:t>KV Server</a:t>
             </a:r>
-            <a:endParaRPr dirty="0"/>
+            <a:endParaRPr sz="1600" dirty="0"/>
           </a:p>
         </p:txBody>
       </p:sp>
@@ -3574,10 +3574,10 @@
               <a:buNone/>
             </a:pPr>
             <a:r>
-              <a:rPr lang="en-US"/>
+              <a:rPr lang="en-US" sz="1600"/>
               <a:t>seL4</a:t>
             </a:r>
-            <a:endParaRPr/>
+            <a:endParaRPr sz="1600"/>
           </a:p>
         </p:txBody>
       </p:sp>
@@ -3632,10 +3632,10 @@
               <a:buNone/>
             </a:pPr>
             <a:r>
-              <a:rPr lang="en-US" sz="1400" dirty="0"/>
+              <a:rPr lang="en-US" sz="1200" dirty="0"/>
               <a:t>Virtual Address Space Component</a:t>
             </a:r>
-            <a:endParaRPr sz="1400" dirty="0"/>
+            <a:endParaRPr sz="1200" dirty="0"/>
           </a:p>
         </p:txBody>
       </p:sp>
@@ -3690,10 +3690,10 @@
               <a:buNone/>
             </a:pPr>
             <a:r>
-              <a:rPr lang="en-US" sz="1400" dirty="0"/>
+              <a:rPr lang="en-US" sz="1200" dirty="0"/>
               <a:t>PD Component</a:t>
             </a:r>
-            <a:endParaRPr sz="1400" dirty="0"/>
+            <a:endParaRPr sz="1200" dirty="0"/>
           </a:p>
         </p:txBody>
       </p:sp>
@@ -3748,7 +3748,7 @@
               <a:buNone/>
             </a:pPr>
             <a:r>
-              <a:rPr lang="en-US" dirty="0"/>
+              <a:rPr lang="en-US" sz="1600" dirty="0"/>
               <a:t>Block </a:t>
             </a:r>
           </a:p>
@@ -3763,10 +3763,10 @@
               <a:buNone/>
             </a:pPr>
             <a:r>
-              <a:rPr lang="en-US" dirty="0"/>
+              <a:rPr lang="en-US" sz="1600" dirty="0"/>
               <a:t>Server</a:t>
             </a:r>
-            <a:endParaRPr dirty="0"/>
+            <a:endParaRPr sz="1600" dirty="0"/>
           </a:p>
         </p:txBody>
       </p:sp>
@@ -3821,7 +3821,7 @@
               <a:buNone/>
             </a:pPr>
             <a:r>
-              <a:rPr lang="en-US" dirty="0"/>
+              <a:rPr lang="en-US" sz="1600" dirty="0"/>
               <a:t>File </a:t>
             </a:r>
           </a:p>
@@ -3836,10 +3836,10 @@
               <a:buNone/>
             </a:pPr>
             <a:r>
-              <a:rPr lang="en-US" dirty="0"/>
+              <a:rPr lang="en-US" sz="1600" dirty="0"/>
               <a:t>Server</a:t>
             </a:r>
-            <a:endParaRPr dirty="0"/>
+            <a:endParaRPr sz="1600" dirty="0"/>
           </a:p>
         </p:txBody>
       </p:sp>
@@ -3894,10 +3894,10 @@
               <a:buNone/>
             </a:pPr>
             <a:r>
-              <a:rPr lang="en-US" sz="1400" dirty="0"/>
+              <a:rPr lang="en-US" sz="1200" dirty="0"/>
               <a:t>Endpoint Component</a:t>
             </a:r>
-            <a:endParaRPr sz="1400" dirty="0"/>
+            <a:endParaRPr sz="1200" dirty="0"/>
           </a:p>
         </p:txBody>
       </p:sp>
@@ -3952,10 +3952,10 @@
               <a:buNone/>
             </a:pPr>
             <a:r>
-              <a:rPr lang="en-US" dirty="0"/>
+              <a:rPr lang="en-US" sz="1600" dirty="0"/>
               <a:t>App</a:t>
             </a:r>
-            <a:endParaRPr dirty="0"/>
+            <a:endParaRPr sz="1600" dirty="0"/>
           </a:p>
         </p:txBody>
       </p:sp>
@@ -4010,7 +4010,7 @@
               <a:buNone/>
             </a:pPr>
             <a:r>
-              <a:rPr lang="en-US" dirty="0"/>
+              <a:rPr lang="en-US" sz="1600" dirty="0"/>
               <a:t>Optional </a:t>
             </a:r>
           </a:p>
@@ -4025,10 +4025,10 @@
               <a:buNone/>
             </a:pPr>
             <a:r>
-              <a:rPr lang="en-US" dirty="0"/>
+              <a:rPr lang="en-US" sz="1600" dirty="0"/>
               <a:t>Server</a:t>
             </a:r>
-            <a:endParaRPr dirty="0"/>
+            <a:endParaRPr sz="1600" dirty="0"/>
           </a:p>
         </p:txBody>
       </p:sp>
